--- a/GIT.pptx
+++ b/GIT.pptx
@@ -6,6 +6,12 @@
   </p:sldMasterIdLst>
   <p:sldIdLst>
     <p:sldId id="256" r:id="rId2"/>
+    <p:sldId id="257" r:id="rId3"/>
+    <p:sldId id="258" r:id="rId4"/>
+    <p:sldId id="259" r:id="rId5"/>
+    <p:sldId id="260" r:id="rId6"/>
+    <p:sldId id="261" r:id="rId7"/>
+    <p:sldId id="262" r:id="rId8"/>
   </p:sldIdLst>
   <p:sldSz cx="9144000" cy="6858000" type="screen4x3"/>
   <p:notesSz cx="6858000" cy="9144000"/>
@@ -289,7 +295,7 @@
             <a:fld id="{530820CF-B880-4189-942D-D702A7CBA730}" type="datetimeFigureOut">
               <a:rPr lang="zh-CN" altLang="en-US" smtClean="0"/>
               <a:pPr/>
-              <a:t>2017/10/16</a:t>
+              <a:t>2017/10/20</a:t>
             </a:fld>
             <a:endParaRPr lang="zh-CN" altLang="en-US"/>
           </a:p>
@@ -456,7 +462,7 @@
             <a:fld id="{530820CF-B880-4189-942D-D702A7CBA730}" type="datetimeFigureOut">
               <a:rPr lang="zh-CN" altLang="en-US" smtClean="0"/>
               <a:pPr/>
-              <a:t>2017/10/16</a:t>
+              <a:t>2017/10/20</a:t>
             </a:fld>
             <a:endParaRPr lang="zh-CN" altLang="en-US"/>
           </a:p>
@@ -633,7 +639,7 @@
             <a:fld id="{530820CF-B880-4189-942D-D702A7CBA730}" type="datetimeFigureOut">
               <a:rPr lang="zh-CN" altLang="en-US" smtClean="0"/>
               <a:pPr/>
-              <a:t>2017/10/16</a:t>
+              <a:t>2017/10/20</a:t>
             </a:fld>
             <a:endParaRPr lang="zh-CN" altLang="en-US"/>
           </a:p>
@@ -800,7 +806,7 @@
             <a:fld id="{530820CF-B880-4189-942D-D702A7CBA730}" type="datetimeFigureOut">
               <a:rPr lang="zh-CN" altLang="en-US" smtClean="0"/>
               <a:pPr/>
-              <a:t>2017/10/16</a:t>
+              <a:t>2017/10/20</a:t>
             </a:fld>
             <a:endParaRPr lang="zh-CN" altLang="en-US"/>
           </a:p>
@@ -1043,7 +1049,7 @@
             <a:fld id="{530820CF-B880-4189-942D-D702A7CBA730}" type="datetimeFigureOut">
               <a:rPr lang="zh-CN" altLang="en-US" smtClean="0"/>
               <a:pPr/>
-              <a:t>2017/10/16</a:t>
+              <a:t>2017/10/20</a:t>
             </a:fld>
             <a:endParaRPr lang="zh-CN" altLang="en-US"/>
           </a:p>
@@ -1328,7 +1334,7 @@
             <a:fld id="{530820CF-B880-4189-942D-D702A7CBA730}" type="datetimeFigureOut">
               <a:rPr lang="zh-CN" altLang="en-US" smtClean="0"/>
               <a:pPr/>
-              <a:t>2017/10/16</a:t>
+              <a:t>2017/10/20</a:t>
             </a:fld>
             <a:endParaRPr lang="zh-CN" altLang="en-US"/>
           </a:p>
@@ -1747,7 +1753,7 @@
             <a:fld id="{530820CF-B880-4189-942D-D702A7CBA730}" type="datetimeFigureOut">
               <a:rPr lang="zh-CN" altLang="en-US" smtClean="0"/>
               <a:pPr/>
-              <a:t>2017/10/16</a:t>
+              <a:t>2017/10/20</a:t>
             </a:fld>
             <a:endParaRPr lang="zh-CN" altLang="en-US"/>
           </a:p>
@@ -1862,7 +1868,7 @@
             <a:fld id="{530820CF-B880-4189-942D-D702A7CBA730}" type="datetimeFigureOut">
               <a:rPr lang="zh-CN" altLang="en-US" smtClean="0"/>
               <a:pPr/>
-              <a:t>2017/10/16</a:t>
+              <a:t>2017/10/20</a:t>
             </a:fld>
             <a:endParaRPr lang="zh-CN" altLang="en-US"/>
           </a:p>
@@ -1954,7 +1960,7 @@
             <a:fld id="{530820CF-B880-4189-942D-D702A7CBA730}" type="datetimeFigureOut">
               <a:rPr lang="zh-CN" altLang="en-US" smtClean="0"/>
               <a:pPr/>
-              <a:t>2017/10/16</a:t>
+              <a:t>2017/10/20</a:t>
             </a:fld>
             <a:endParaRPr lang="zh-CN" altLang="en-US"/>
           </a:p>
@@ -2228,7 +2234,7 @@
             <a:fld id="{530820CF-B880-4189-942D-D702A7CBA730}" type="datetimeFigureOut">
               <a:rPr lang="zh-CN" altLang="en-US" smtClean="0"/>
               <a:pPr/>
-              <a:t>2017/10/16</a:t>
+              <a:t>2017/10/20</a:t>
             </a:fld>
             <a:endParaRPr lang="zh-CN" altLang="en-US"/>
           </a:p>
@@ -2478,7 +2484,7 @@
             <a:fld id="{530820CF-B880-4189-942D-D702A7CBA730}" type="datetimeFigureOut">
               <a:rPr lang="zh-CN" altLang="en-US" smtClean="0"/>
               <a:pPr/>
-              <a:t>2017/10/16</a:t>
+              <a:t>2017/10/20</a:t>
             </a:fld>
             <a:endParaRPr lang="zh-CN" altLang="en-US"/>
           </a:p>
@@ -2688,7 +2694,7 @@
             <a:fld id="{530820CF-B880-4189-942D-D702A7CBA730}" type="datetimeFigureOut">
               <a:rPr lang="zh-CN" altLang="en-US" smtClean="0"/>
               <a:pPr/>
-              <a:t>2017/10/16</a:t>
+              <a:t>2017/10/20</a:t>
             </a:fld>
             <a:endParaRPr lang="zh-CN" altLang="en-US"/>
           </a:p>
@@ -3086,11 +3092,7 @@
             </a:r>
             <a:r>
               <a:rPr lang="zh-CN" altLang="en-US" dirty="0" smtClean="0"/>
-              <a:t>是一个开源的分布式版本控制系统，用于敏捷高效地处理任何或小或大的项目</a:t>
-            </a:r>
-            <a:r>
-              <a:rPr lang="zh-CN" altLang="en-US" dirty="0" smtClean="0"/>
-              <a:t>。</a:t>
+              <a:t>是一个开源的分布式版本控制系统，用于敏捷高效地处理任何或小或大的项目。</a:t>
             </a:r>
             <a:endParaRPr lang="en-US" altLang="zh-CN" dirty="0" smtClean="0"/>
           </a:p>
@@ -3116,11 +3118,7 @@
             </a:r>
             <a:r>
               <a:rPr lang="zh-CN" altLang="en-US" dirty="0" smtClean="0"/>
-              <a:t>等不同，它采用了分布式版本库的方式，不必服务器端软件支持</a:t>
-            </a:r>
-            <a:r>
-              <a:rPr lang="zh-CN" altLang="en-US" dirty="0" smtClean="0"/>
-              <a:t>。</a:t>
+              <a:t>等不同，它采用了分布式版本库的方式，不必服务器端软件支持。</a:t>
             </a:r>
             <a:endParaRPr lang="en-US" altLang="zh-CN" dirty="0" smtClean="0"/>
           </a:p>
@@ -3145,6 +3143,737 @@
               <a:t>工作管理系统等。</a:t>
             </a:r>
             <a:endParaRPr lang="zh-CN" altLang="en-US" dirty="0"/>
+          </a:p>
+        </p:txBody>
+      </p:sp>
+    </p:spTree>
+  </p:cSld>
+  <p:clrMapOvr>
+    <a:masterClrMapping/>
+  </p:clrMapOvr>
+</p:sld>
+</file>
+
+<file path=ppt/slides/slide2.xml><?xml version="1.0" encoding="utf-8"?>
+<p:sld xmlns:a="http://schemas.openxmlformats.org/drawingml/2006/main" xmlns:r="http://schemas.openxmlformats.org/officeDocument/2006/relationships" xmlns:p="http://schemas.openxmlformats.org/presentationml/2006/main">
+  <p:cSld>
+    <p:spTree>
+      <p:nvGrpSpPr>
+        <p:cNvPr id="1" name=""/>
+        <p:cNvGrpSpPr/>
+        <p:nvPr/>
+      </p:nvGrpSpPr>
+      <p:grpSpPr>
+        <a:xfrm>
+          <a:off x="0" y="0"/>
+          <a:ext cx="0" cy="0"/>
+          <a:chOff x="0" y="0"/>
+          <a:chExt cx="0" cy="0"/>
+        </a:xfrm>
+      </p:grpSpPr>
+      <p:sp>
+        <p:nvSpPr>
+          <p:cNvPr id="2" name="标题 1"/>
+          <p:cNvSpPr>
+            <a:spLocks noGrp="1"/>
+          </p:cNvSpPr>
+          <p:nvPr>
+            <p:ph type="title"/>
+          </p:nvPr>
+        </p:nvSpPr>
+        <p:spPr/>
+        <p:txBody>
+          <a:bodyPr/>
+          <a:lstStyle/>
+          <a:p>
+            <a:r>
+              <a:rPr lang="zh-CN" altLang="en-US" dirty="0" smtClean="0"/>
+              <a:t>集成管理模式的具体实现步骤</a:t>
+            </a:r>
+            <a:endParaRPr lang="zh-CN" altLang="en-US" dirty="0"/>
+          </a:p>
+        </p:txBody>
+      </p:sp>
+      <p:pic>
+        <p:nvPicPr>
+          <p:cNvPr id="1026" name="Picture 2" descr="C:\Users\Justin\Desktop\git集成管理员工作流？.JPG"/>
+          <p:cNvPicPr>
+            <a:picLocks noChangeAspect="1" noChangeArrowheads="1"/>
+          </p:cNvPicPr>
+          <p:nvPr/>
+        </p:nvPicPr>
+        <p:blipFill>
+          <a:blip r:embed="rId2"/>
+          <a:srcRect/>
+          <a:stretch>
+            <a:fillRect/>
+          </a:stretch>
+        </p:blipFill>
+        <p:spPr bwMode="auto">
+          <a:xfrm>
+            <a:off x="1643042" y="1571612"/>
+            <a:ext cx="4076700" cy="4274820"/>
+          </a:xfrm>
+          <a:prstGeom prst="rect">
+            <a:avLst/>
+          </a:prstGeom>
+          <a:noFill/>
+        </p:spPr>
+      </p:pic>
+    </p:spTree>
+  </p:cSld>
+  <p:clrMapOvr>
+    <a:masterClrMapping/>
+  </p:clrMapOvr>
+</p:sld>
+</file>
+
+<file path=ppt/slides/slide3.xml><?xml version="1.0" encoding="utf-8"?>
+<p:sld xmlns:a="http://schemas.openxmlformats.org/drawingml/2006/main" xmlns:r="http://schemas.openxmlformats.org/officeDocument/2006/relationships" xmlns:p="http://schemas.openxmlformats.org/presentationml/2006/main">
+  <p:cSld>
+    <p:spTree>
+      <p:nvGrpSpPr>
+        <p:cNvPr id="1" name=""/>
+        <p:cNvGrpSpPr/>
+        <p:nvPr/>
+      </p:nvGrpSpPr>
+      <p:grpSpPr>
+        <a:xfrm>
+          <a:off x="0" y="0"/>
+          <a:ext cx="0" cy="0"/>
+          <a:chOff x="0" y="0"/>
+          <a:chExt cx="0" cy="0"/>
+        </a:xfrm>
+      </p:grpSpPr>
+      <p:sp>
+        <p:nvSpPr>
+          <p:cNvPr id="2" name="标题 1"/>
+          <p:cNvSpPr>
+            <a:spLocks noGrp="1"/>
+          </p:cNvSpPr>
+          <p:nvPr>
+            <p:ph type="title"/>
+          </p:nvPr>
+        </p:nvSpPr>
+        <p:spPr/>
+        <p:txBody>
+          <a:bodyPr/>
+          <a:lstStyle/>
+          <a:p>
+            <a:r>
+              <a:rPr lang="zh-CN" altLang="en-US" dirty="0" smtClean="0"/>
+              <a:t>司令官副官模式的具体实现步骤</a:t>
+            </a:r>
+            <a:endParaRPr lang="zh-CN" altLang="en-US" dirty="0"/>
+          </a:p>
+        </p:txBody>
+      </p:sp>
+      <p:pic>
+        <p:nvPicPr>
+          <p:cNvPr id="2050" name="Picture 2" descr="C:\Users\Justin\Desktop\git司令官和副官工作流？.JPG"/>
+          <p:cNvPicPr>
+            <a:picLocks noChangeAspect="1" noChangeArrowheads="1"/>
+          </p:cNvPicPr>
+          <p:nvPr/>
+        </p:nvPicPr>
+        <p:blipFill>
+          <a:blip r:embed="rId2"/>
+          <a:srcRect/>
+          <a:stretch>
+            <a:fillRect/>
+          </a:stretch>
+        </p:blipFill>
+        <p:spPr bwMode="auto">
+          <a:xfrm>
+            <a:off x="2357422" y="1285860"/>
+            <a:ext cx="4069080" cy="4457700"/>
+          </a:xfrm>
+          <a:prstGeom prst="rect">
+            <a:avLst/>
+          </a:prstGeom>
+          <a:noFill/>
+        </p:spPr>
+      </p:pic>
+    </p:spTree>
+  </p:cSld>
+  <p:clrMapOvr>
+    <a:masterClrMapping/>
+  </p:clrMapOvr>
+</p:sld>
+</file>
+
+<file path=ppt/slides/slide4.xml><?xml version="1.0" encoding="utf-8"?>
+<p:sld xmlns:a="http://schemas.openxmlformats.org/drawingml/2006/main" xmlns:r="http://schemas.openxmlformats.org/officeDocument/2006/relationships" xmlns:p="http://schemas.openxmlformats.org/presentationml/2006/main">
+  <p:cSld>
+    <p:spTree>
+      <p:nvGrpSpPr>
+        <p:cNvPr id="1" name=""/>
+        <p:cNvGrpSpPr/>
+        <p:nvPr/>
+      </p:nvGrpSpPr>
+      <p:grpSpPr>
+        <a:xfrm>
+          <a:off x="0" y="0"/>
+          <a:ext cx="0" cy="0"/>
+          <a:chOff x="0" y="0"/>
+          <a:chExt cx="0" cy="0"/>
+        </a:xfrm>
+      </p:grpSpPr>
+      <p:sp>
+        <p:nvSpPr>
+          <p:cNvPr id="5" name="矩形 4"/>
+          <p:cNvSpPr/>
+          <p:nvPr/>
+        </p:nvSpPr>
+        <p:spPr>
+          <a:xfrm>
+            <a:off x="285720" y="214290"/>
+            <a:ext cx="8778365" cy="3139321"/>
+          </a:xfrm>
+          <a:prstGeom prst="rect">
+            <a:avLst/>
+          </a:prstGeom>
+        </p:spPr>
+        <p:txBody>
+          <a:bodyPr wrap="none">
+            <a:spAutoFit/>
+          </a:bodyPr>
+          <a:lstStyle/>
+          <a:p>
+            <a:r>
+              <a:rPr lang="zh-CN" altLang="en-US" b="1" dirty="0" smtClean="0"/>
+              <a:t>提交</a:t>
+            </a:r>
+            <a:r>
+              <a:rPr lang="zh-CN" altLang="en-US" b="1" dirty="0" smtClean="0"/>
+              <a:t>指南</a:t>
+            </a:r>
+            <a:endParaRPr lang="en-US" altLang="zh-CN" b="1" dirty="0" smtClean="0"/>
+          </a:p>
+          <a:p>
+            <a:endParaRPr lang="en-US" altLang="zh-CN" b="1" dirty="0" smtClean="0"/>
+          </a:p>
+          <a:p>
+            <a:r>
+              <a:rPr lang="zh-CN" altLang="en-US" dirty="0" smtClean="0"/>
+              <a:t>请将每次提交限定于完成一次逻辑功能。并且可能的话，适当地分解为多次小更新</a:t>
+            </a:r>
+            <a:r>
+              <a:rPr lang="zh-CN" altLang="en-US" dirty="0" smtClean="0"/>
+              <a:t>，</a:t>
+            </a:r>
+            <a:endParaRPr lang="en-US" altLang="zh-CN" dirty="0" smtClean="0"/>
+          </a:p>
+          <a:p>
+            <a:r>
+              <a:rPr lang="zh-CN" altLang="en-US" dirty="0" smtClean="0"/>
+              <a:t>以便</a:t>
+            </a:r>
+            <a:r>
+              <a:rPr lang="zh-CN" altLang="en-US" dirty="0" smtClean="0"/>
+              <a:t>每次小型提交都更易于理解。请不要在周末穷追猛打一次性 解决五个问题，</a:t>
+            </a:r>
+            <a:r>
+              <a:rPr lang="zh-CN" altLang="en-US" dirty="0" smtClean="0"/>
+              <a:t>而</a:t>
+            </a:r>
+            <a:endParaRPr lang="en-US" altLang="zh-CN" dirty="0" smtClean="0"/>
+          </a:p>
+          <a:p>
+            <a:r>
+              <a:rPr lang="zh-CN" altLang="en-US" dirty="0" smtClean="0"/>
+              <a:t>最后</a:t>
+            </a:r>
+            <a:r>
+              <a:rPr lang="zh-CN" altLang="en-US" dirty="0" smtClean="0"/>
+              <a:t>拖到周一再提交。就算是这样也请尽可能利用暂存区域，将之前的改动分解为</a:t>
+            </a:r>
+            <a:r>
+              <a:rPr lang="zh-CN" altLang="en-US" dirty="0" smtClean="0"/>
+              <a:t>每</a:t>
+            </a:r>
+            <a:endParaRPr lang="en-US" altLang="zh-CN" dirty="0" smtClean="0"/>
+          </a:p>
+          <a:p>
+            <a:r>
+              <a:rPr lang="zh-CN" altLang="en-US" dirty="0" smtClean="0"/>
+              <a:t>次</a:t>
+            </a:r>
+            <a:r>
+              <a:rPr lang="zh-CN" altLang="en-US" dirty="0" smtClean="0"/>
+              <a:t>修复一个问题，再分别提交和加注说明。如果针对两个问题 改动的是同一个文件</a:t>
+            </a:r>
+            <a:r>
+              <a:rPr lang="zh-CN" altLang="en-US" dirty="0" smtClean="0"/>
+              <a:t>，</a:t>
+            </a:r>
+            <a:endParaRPr lang="en-US" altLang="zh-CN" dirty="0" smtClean="0"/>
+          </a:p>
+          <a:p>
+            <a:r>
+              <a:rPr lang="zh-CN" altLang="en-US" dirty="0" smtClean="0"/>
+              <a:t>可以</a:t>
+            </a:r>
+            <a:r>
+              <a:rPr lang="zh-CN" altLang="en-US" dirty="0" smtClean="0"/>
+              <a:t>试试看</a:t>
+            </a:r>
+            <a:r>
+              <a:rPr lang="en-US" altLang="zh-CN" dirty="0" err="1" smtClean="0"/>
+              <a:t>git</a:t>
+            </a:r>
+            <a:r>
+              <a:rPr lang="en-US" altLang="zh-CN" dirty="0" smtClean="0"/>
+              <a:t> add --patch </a:t>
+            </a:r>
+            <a:r>
+              <a:rPr lang="zh-CN" altLang="en-US" dirty="0" smtClean="0"/>
+              <a:t>的方式将部分内容置入暂存区域（我们会在第六章再详细</a:t>
+            </a:r>
+            <a:r>
+              <a:rPr lang="zh-CN" altLang="en-US" dirty="0" smtClean="0"/>
+              <a:t>介</a:t>
+            </a:r>
+            <a:endParaRPr lang="en-US" altLang="zh-CN" dirty="0" smtClean="0"/>
+          </a:p>
+          <a:p>
+            <a:r>
+              <a:rPr lang="zh-CN" altLang="en-US" dirty="0" smtClean="0"/>
+              <a:t> </a:t>
+            </a:r>
+            <a:r>
+              <a:rPr lang="zh-CN" altLang="en-US" dirty="0" smtClean="0"/>
+              <a:t>绍）。无论是五次小提交还是混杂在一起的大提交，最终分支末端的项目快照应该</a:t>
+            </a:r>
+            <a:r>
+              <a:rPr lang="zh-CN" altLang="en-US" dirty="0" smtClean="0"/>
+              <a:t>还</a:t>
+            </a:r>
+            <a:endParaRPr lang="en-US" altLang="zh-CN" dirty="0" smtClean="0"/>
+          </a:p>
+          <a:p>
+            <a:r>
+              <a:rPr lang="zh-CN" altLang="en-US" dirty="0" smtClean="0"/>
+              <a:t>是</a:t>
+            </a:r>
+            <a:r>
+              <a:rPr lang="zh-CN" altLang="en-US" dirty="0" smtClean="0"/>
+              <a:t>一样的，但分解开 来之后，更便于其他开发者复阅。这么做也方便自己将来取消</a:t>
+            </a:r>
+            <a:r>
+              <a:rPr lang="zh-CN" altLang="en-US" dirty="0" smtClean="0"/>
+              <a:t>某</a:t>
+            </a:r>
+            <a:endParaRPr lang="en-US" altLang="zh-CN" dirty="0" smtClean="0"/>
+          </a:p>
+          <a:p>
+            <a:r>
+              <a:rPr lang="zh-CN" altLang="en-US" dirty="0" smtClean="0"/>
+              <a:t>个</a:t>
+            </a:r>
+            <a:r>
+              <a:rPr lang="zh-CN" altLang="en-US" dirty="0" smtClean="0"/>
+              <a:t>特定问题的修复。我们将在第六章介绍一些重写提交历史，同暂存区域交互的</a:t>
+            </a:r>
+            <a:r>
+              <a:rPr lang="zh-CN" altLang="en-US" dirty="0" smtClean="0"/>
+              <a:t>技巧</a:t>
+            </a:r>
+            <a:endParaRPr lang="en-US" altLang="zh-CN" dirty="0" smtClean="0"/>
+          </a:p>
+          <a:p>
+            <a:r>
+              <a:rPr lang="zh-CN" altLang="en-US" dirty="0" smtClean="0"/>
+              <a:t>和</a:t>
+            </a:r>
+            <a:r>
+              <a:rPr lang="zh-CN" altLang="en-US" dirty="0" smtClean="0"/>
+              <a:t>工具，以便最 终得到一个干净有意义，且易于理解的提交历史。</a:t>
+            </a:r>
+            <a:endParaRPr lang="zh-CN" altLang="en-US" dirty="0"/>
+          </a:p>
+        </p:txBody>
+      </p:sp>
+    </p:spTree>
+  </p:cSld>
+  <p:clrMapOvr>
+    <a:masterClrMapping/>
+  </p:clrMapOvr>
+</p:sld>
+</file>
+
+<file path=ppt/slides/slide5.xml><?xml version="1.0" encoding="utf-8"?>
+<p:sld xmlns:a="http://schemas.openxmlformats.org/drawingml/2006/main" xmlns:r="http://schemas.openxmlformats.org/officeDocument/2006/relationships" xmlns:p="http://schemas.openxmlformats.org/presentationml/2006/main">
+  <p:cSld>
+    <p:spTree>
+      <p:nvGrpSpPr>
+        <p:cNvPr id="1" name=""/>
+        <p:cNvGrpSpPr/>
+        <p:nvPr/>
+      </p:nvGrpSpPr>
+      <p:grpSpPr>
+        <a:xfrm>
+          <a:off x="0" y="0"/>
+          <a:ext cx="0" cy="0"/>
+          <a:chOff x="0" y="0"/>
+          <a:chExt cx="0" cy="0"/>
+        </a:xfrm>
+      </p:grpSpPr>
+      <p:sp>
+        <p:nvSpPr>
+          <p:cNvPr id="3" name="TextBox 2"/>
+          <p:cNvSpPr txBox="1"/>
+          <p:nvPr/>
+        </p:nvSpPr>
+        <p:spPr>
+          <a:xfrm>
+            <a:off x="285721" y="214290"/>
+            <a:ext cx="8643997" cy="1754326"/>
+          </a:xfrm>
+          <a:prstGeom prst="rect">
+            <a:avLst/>
+          </a:prstGeom>
+          <a:noFill/>
+        </p:spPr>
+        <p:txBody>
+          <a:bodyPr wrap="square" rtlCol="0">
+            <a:spAutoFit/>
+          </a:bodyPr>
+          <a:lstStyle/>
+          <a:p>
+            <a:r>
+              <a:rPr lang="zh-CN" altLang="en-US" dirty="0" smtClean="0"/>
+              <a:t>一般来说，提交说明最好限制在一行以内，</a:t>
+            </a:r>
+            <a:r>
+              <a:rPr lang="en-US" altLang="zh-CN" dirty="0" smtClean="0"/>
+              <a:t>50 </a:t>
+            </a:r>
+            <a:r>
+              <a:rPr lang="zh-CN" altLang="en-US" dirty="0" smtClean="0"/>
+              <a:t>个字符以下，简明扼要地描述更新内容，空开一行后，再展开详细注解。</a:t>
+            </a:r>
+            <a:r>
+              <a:rPr lang="en-US" altLang="zh-CN" dirty="0" err="1" smtClean="0"/>
+              <a:t>Git</a:t>
+            </a:r>
+            <a:r>
+              <a:rPr lang="en-US" altLang="zh-CN" dirty="0" smtClean="0"/>
+              <a:t> </a:t>
+            </a:r>
+            <a:r>
+              <a:rPr lang="zh-CN" altLang="en-US" dirty="0" smtClean="0"/>
+              <a:t>项目本身需要开发者撰写详尽注解，包括本次修订的因由，以及前后不同实现之间的比较，我们也该借鉴这种做法。另外，提交说明应该用祈使现在式语态，比如， 不要说成 “</a:t>
+            </a:r>
+            <a:r>
+              <a:rPr lang="en-US" altLang="zh-CN" dirty="0" smtClean="0"/>
+              <a:t>I added tests for” </a:t>
+            </a:r>
+            <a:r>
+              <a:rPr lang="zh-CN" altLang="en-US" dirty="0" smtClean="0"/>
+              <a:t>或 “</a:t>
+            </a:r>
+            <a:r>
+              <a:rPr lang="en-US" altLang="zh-CN" dirty="0" smtClean="0"/>
+              <a:t>Adding tests for” </a:t>
+            </a:r>
+            <a:r>
+              <a:rPr lang="zh-CN" altLang="en-US" dirty="0" smtClean="0"/>
+              <a:t>而应该用 “</a:t>
+            </a:r>
+            <a:r>
+              <a:rPr lang="en-US" altLang="zh-CN" dirty="0" smtClean="0"/>
+              <a:t>Add tests for”</a:t>
+            </a:r>
+            <a:r>
+              <a:rPr lang="zh-CN" altLang="en-US" dirty="0" smtClean="0"/>
+              <a:t>。下面是来自 </a:t>
+            </a:r>
+            <a:r>
+              <a:rPr lang="en-US" altLang="zh-CN" dirty="0" smtClean="0"/>
+              <a:t>tpope.net </a:t>
+            </a:r>
+            <a:r>
+              <a:rPr lang="zh-CN" altLang="en-US" dirty="0" smtClean="0"/>
+              <a:t>的 </a:t>
+            </a:r>
+            <a:r>
+              <a:rPr lang="en-US" altLang="zh-CN" dirty="0" smtClean="0"/>
+              <a:t>Tim Pope </a:t>
+            </a:r>
+            <a:r>
+              <a:rPr lang="zh-CN" altLang="en-US" dirty="0" smtClean="0"/>
+              <a:t>原创的提交说明格式模版，供参考：</a:t>
+            </a:r>
+            <a:endParaRPr lang="zh-CN" altLang="en-US" dirty="0"/>
+          </a:p>
+        </p:txBody>
+      </p:sp>
+      <p:pic>
+        <p:nvPicPr>
+          <p:cNvPr id="17411" name="Picture 3"/>
+          <p:cNvPicPr>
+            <a:picLocks noChangeAspect="1" noChangeArrowheads="1"/>
+          </p:cNvPicPr>
+          <p:nvPr/>
+        </p:nvPicPr>
+        <p:blipFill>
+          <a:blip r:embed="rId2"/>
+          <a:srcRect/>
+          <a:stretch>
+            <a:fillRect/>
+          </a:stretch>
+        </p:blipFill>
+        <p:spPr bwMode="auto">
+          <a:xfrm>
+            <a:off x="642910" y="2357430"/>
+            <a:ext cx="7972425" cy="2971800"/>
+          </a:xfrm>
+          <a:prstGeom prst="rect">
+            <a:avLst/>
+          </a:prstGeom>
+          <a:noFill/>
+          <a:ln w="9525">
+            <a:noFill/>
+            <a:miter lim="800000"/>
+            <a:headEnd/>
+            <a:tailEnd/>
+          </a:ln>
+          <a:effectLst/>
+        </p:spPr>
+      </p:pic>
+    </p:spTree>
+  </p:cSld>
+  <p:clrMapOvr>
+    <a:masterClrMapping/>
+  </p:clrMapOvr>
+</p:sld>
+</file>
+
+<file path=ppt/slides/slide6.xml><?xml version="1.0" encoding="utf-8"?>
+<p:sld xmlns:a="http://schemas.openxmlformats.org/drawingml/2006/main" xmlns:r="http://schemas.openxmlformats.org/officeDocument/2006/relationships" xmlns:p="http://schemas.openxmlformats.org/presentationml/2006/main">
+  <p:cSld>
+    <p:spTree>
+      <p:nvGrpSpPr>
+        <p:cNvPr id="1" name=""/>
+        <p:cNvGrpSpPr/>
+        <p:nvPr/>
+      </p:nvGrpSpPr>
+      <p:grpSpPr>
+        <a:xfrm>
+          <a:off x="0" y="0"/>
+          <a:ext cx="0" cy="0"/>
+          <a:chOff x="0" y="0"/>
+          <a:chExt cx="0" cy="0"/>
+        </a:xfrm>
+      </p:grpSpPr>
+      <p:sp>
+        <p:nvSpPr>
+          <p:cNvPr id="3" name="TextBox 2"/>
+          <p:cNvSpPr txBox="1"/>
+          <p:nvPr/>
+        </p:nvSpPr>
+        <p:spPr>
+          <a:xfrm>
+            <a:off x="214282" y="142852"/>
+            <a:ext cx="8643997" cy="646331"/>
+          </a:xfrm>
+          <a:prstGeom prst="rect">
+            <a:avLst/>
+          </a:prstGeom>
+          <a:noFill/>
+        </p:spPr>
+        <p:txBody>
+          <a:bodyPr wrap="square" rtlCol="0">
+            <a:spAutoFit/>
+          </a:bodyPr>
+          <a:lstStyle/>
+          <a:p>
+            <a:r>
+              <a:rPr lang="en-US" dirty="0" err="1" smtClean="0"/>
+              <a:t>git</a:t>
+            </a:r>
+            <a:r>
+              <a:rPr lang="en-US" dirty="0" smtClean="0"/>
+              <a:t> fetch</a:t>
+            </a:r>
+            <a:r>
+              <a:rPr lang="zh-CN" altLang="en-US" dirty="0" smtClean="0"/>
+              <a:t>只会将本地库所关联的远程库的</a:t>
+            </a:r>
+            <a:r>
+              <a:rPr lang="en-US" dirty="0" smtClean="0"/>
+              <a:t>commit id</a:t>
+            </a:r>
+            <a:r>
+              <a:rPr lang="zh-CN" altLang="en-US" dirty="0" smtClean="0"/>
+              <a:t>更新至</a:t>
+            </a:r>
+            <a:r>
+              <a:rPr lang="zh-CN" altLang="en-US" dirty="0" smtClean="0"/>
+              <a:t>最新</a:t>
+            </a:r>
+            <a:endParaRPr lang="en-US" altLang="zh-CN" dirty="0" smtClean="0"/>
+          </a:p>
+          <a:p>
+            <a:r>
+              <a:rPr lang="en-US" altLang="zh-CN" dirty="0" err="1" smtClean="0"/>
+              <a:t>git</a:t>
+            </a:r>
+            <a:r>
+              <a:rPr lang="en-US" altLang="zh-CN" dirty="0" smtClean="0"/>
+              <a:t> </a:t>
+            </a:r>
+            <a:r>
+              <a:rPr lang="en-US" altLang="zh-CN" dirty="0" smtClean="0"/>
+              <a:t>pull</a:t>
+            </a:r>
+            <a:r>
+              <a:rPr lang="zh-CN" altLang="en-US" dirty="0" smtClean="0"/>
+              <a:t>会将本地库更新至远程库的最新状态</a:t>
+            </a:r>
+            <a:endParaRPr lang="zh-CN" altLang="en-US" dirty="0"/>
+          </a:p>
+        </p:txBody>
+      </p:sp>
+      <p:pic>
+        <p:nvPicPr>
+          <p:cNvPr id="18434" name="Picture 2"/>
+          <p:cNvPicPr>
+            <a:picLocks noChangeAspect="1" noChangeArrowheads="1"/>
+          </p:cNvPicPr>
+          <p:nvPr/>
+        </p:nvPicPr>
+        <p:blipFill>
+          <a:blip r:embed="rId2"/>
+          <a:srcRect/>
+          <a:stretch>
+            <a:fillRect/>
+          </a:stretch>
+        </p:blipFill>
+        <p:spPr bwMode="auto">
+          <a:xfrm>
+            <a:off x="3786182" y="975397"/>
+            <a:ext cx="4757739" cy="5306325"/>
+          </a:xfrm>
+          <a:prstGeom prst="rect">
+            <a:avLst/>
+          </a:prstGeom>
+          <a:noFill/>
+          <a:ln w="9525">
+            <a:noFill/>
+            <a:miter lim="800000"/>
+            <a:headEnd/>
+            <a:tailEnd/>
+          </a:ln>
+          <a:effectLst/>
+        </p:spPr>
+      </p:pic>
+      <p:sp>
+        <p:nvSpPr>
+          <p:cNvPr id="5" name="矩形 4"/>
+          <p:cNvSpPr/>
+          <p:nvPr/>
+        </p:nvSpPr>
+        <p:spPr>
+          <a:xfrm>
+            <a:off x="1214414" y="2928934"/>
+            <a:ext cx="1811714" cy="369332"/>
+          </a:xfrm>
+          <a:prstGeom prst="rect">
+            <a:avLst/>
+          </a:prstGeom>
+        </p:spPr>
+        <p:txBody>
+          <a:bodyPr wrap="none">
+            <a:spAutoFit/>
+          </a:bodyPr>
+          <a:lstStyle/>
+          <a:p>
+            <a:r>
+              <a:rPr lang="zh-CN" altLang="en-US" b="1" dirty="0" smtClean="0">
+                <a:solidFill>
+                  <a:srgbClr val="FF0000"/>
+                </a:solidFill>
+              </a:rPr>
+              <a:t>私有团队间协作</a:t>
+            </a:r>
+            <a:endParaRPr lang="zh-CN" altLang="en-US" dirty="0">
+              <a:solidFill>
+                <a:srgbClr val="FF0000"/>
+              </a:solidFill>
+            </a:endParaRPr>
+          </a:p>
+        </p:txBody>
+      </p:sp>
+    </p:spTree>
+  </p:cSld>
+  <p:clrMapOvr>
+    <a:masterClrMapping/>
+  </p:clrMapOvr>
+</p:sld>
+</file>
+
+<file path=ppt/slides/slide7.xml><?xml version="1.0" encoding="utf-8"?>
+<p:sld xmlns:a="http://schemas.openxmlformats.org/drawingml/2006/main" xmlns:r="http://schemas.openxmlformats.org/officeDocument/2006/relationships" xmlns:p="http://schemas.openxmlformats.org/presentationml/2006/main">
+  <p:cSld>
+    <p:spTree>
+      <p:nvGrpSpPr>
+        <p:cNvPr id="1" name=""/>
+        <p:cNvGrpSpPr/>
+        <p:nvPr/>
+      </p:nvGrpSpPr>
+      <p:grpSpPr>
+        <a:xfrm>
+          <a:off x="0" y="0"/>
+          <a:ext cx="0" cy="0"/>
+          <a:chOff x="0" y="0"/>
+          <a:chExt cx="0" cy="0"/>
+        </a:xfrm>
+      </p:grpSpPr>
+      <p:sp>
+        <p:nvSpPr>
+          <p:cNvPr id="3" name="TextBox 2"/>
+          <p:cNvSpPr txBox="1"/>
+          <p:nvPr/>
+        </p:nvSpPr>
+        <p:spPr>
+          <a:xfrm>
+            <a:off x="214282" y="142852"/>
+            <a:ext cx="8643997" cy="369332"/>
+          </a:xfrm>
+          <a:prstGeom prst="rect">
+            <a:avLst/>
+          </a:prstGeom>
+          <a:noFill/>
+        </p:spPr>
+        <p:txBody>
+          <a:bodyPr wrap="square" rtlCol="0">
+            <a:spAutoFit/>
+          </a:bodyPr>
+          <a:lstStyle/>
+          <a:p>
+            <a:r>
+              <a:rPr lang="zh-CN" altLang="en-US" b="1" dirty="0" smtClean="0">
+                <a:solidFill>
+                  <a:srgbClr val="FF0000"/>
+                </a:solidFill>
+              </a:rPr>
+              <a:t>公开团队</a:t>
+            </a:r>
+            <a:r>
+              <a:rPr lang="zh-CN" altLang="en-US" b="1" dirty="0" smtClean="0">
+                <a:solidFill>
+                  <a:srgbClr val="FF0000"/>
+                </a:solidFill>
+              </a:rPr>
+              <a:t>间协作</a:t>
+            </a:r>
+            <a:endParaRPr lang="zh-CN" altLang="en-US" dirty="0">
+              <a:solidFill>
+                <a:srgbClr val="FF0000"/>
+              </a:solidFill>
+            </a:endParaRPr>
           </a:p>
         </p:txBody>
       </p:sp>
